--- a/prova-SENAC/Prova SENAC.pptx
+++ b/prova-SENAC/Prova SENAC.pptx
@@ -21,6 +21,8 @@
     <p:sldId id="269" r:id="rId15"/>
     <p:sldId id="273" r:id="rId16"/>
     <p:sldId id="274" r:id="rId17"/>
+    <p:sldId id="275" r:id="rId18"/>
+    <p:sldId id="276" r:id="rId19"/>
   </p:sldIdLst>
   <p:sldSz cx="12192000" cy="6858000"/>
   <p:notesSz cx="6858000" cy="9144000"/>
@@ -274,7 +276,7 @@
           <a:p>
             <a:fld id="{C1691109-F4F8-4597-962C-A4F4B7960636}" type="datetimeFigureOut">
               <a:rPr lang="en-US" smtClean="0"/>
-              <a:t>8/6/2023</a:t>
+              <a:t>8/13/2023</a:t>
             </a:fld>
             <a:endParaRPr lang="en-US"/>
           </a:p>
@@ -472,7 +474,7 @@
           <a:p>
             <a:fld id="{C1691109-F4F8-4597-962C-A4F4B7960636}" type="datetimeFigureOut">
               <a:rPr lang="en-US" smtClean="0"/>
-              <a:t>8/6/2023</a:t>
+              <a:t>8/13/2023</a:t>
             </a:fld>
             <a:endParaRPr lang="en-US"/>
           </a:p>
@@ -680,7 +682,7 @@
           <a:p>
             <a:fld id="{C1691109-F4F8-4597-962C-A4F4B7960636}" type="datetimeFigureOut">
               <a:rPr lang="en-US" smtClean="0"/>
-              <a:t>8/6/2023</a:t>
+              <a:t>8/13/2023</a:t>
             </a:fld>
             <a:endParaRPr lang="en-US"/>
           </a:p>
@@ -878,7 +880,7 @@
           <a:p>
             <a:fld id="{C1691109-F4F8-4597-962C-A4F4B7960636}" type="datetimeFigureOut">
               <a:rPr lang="en-US" smtClean="0"/>
-              <a:t>8/6/2023</a:t>
+              <a:t>8/13/2023</a:t>
             </a:fld>
             <a:endParaRPr lang="en-US"/>
           </a:p>
@@ -1153,7 +1155,7 @@
           <a:p>
             <a:fld id="{C1691109-F4F8-4597-962C-A4F4B7960636}" type="datetimeFigureOut">
               <a:rPr lang="en-US" smtClean="0"/>
-              <a:t>8/6/2023</a:t>
+              <a:t>8/13/2023</a:t>
             </a:fld>
             <a:endParaRPr lang="en-US"/>
           </a:p>
@@ -1418,7 +1420,7 @@
           <a:p>
             <a:fld id="{C1691109-F4F8-4597-962C-A4F4B7960636}" type="datetimeFigureOut">
               <a:rPr lang="en-US" smtClean="0"/>
-              <a:t>8/6/2023</a:t>
+              <a:t>8/13/2023</a:t>
             </a:fld>
             <a:endParaRPr lang="en-US"/>
           </a:p>
@@ -1830,7 +1832,7 @@
           <a:p>
             <a:fld id="{C1691109-F4F8-4597-962C-A4F4B7960636}" type="datetimeFigureOut">
               <a:rPr lang="en-US" smtClean="0"/>
-              <a:t>8/6/2023</a:t>
+              <a:t>8/13/2023</a:t>
             </a:fld>
             <a:endParaRPr lang="en-US"/>
           </a:p>
@@ -1971,7 +1973,7 @@
           <a:p>
             <a:fld id="{C1691109-F4F8-4597-962C-A4F4B7960636}" type="datetimeFigureOut">
               <a:rPr lang="en-US" smtClean="0"/>
-              <a:t>8/6/2023</a:t>
+              <a:t>8/13/2023</a:t>
             </a:fld>
             <a:endParaRPr lang="en-US"/>
           </a:p>
@@ -2084,7 +2086,7 @@
           <a:p>
             <a:fld id="{C1691109-F4F8-4597-962C-A4F4B7960636}" type="datetimeFigureOut">
               <a:rPr lang="en-US" smtClean="0"/>
-              <a:t>8/6/2023</a:t>
+              <a:t>8/13/2023</a:t>
             </a:fld>
             <a:endParaRPr lang="en-US"/>
           </a:p>
@@ -2395,7 +2397,7 @@
           <a:p>
             <a:fld id="{C1691109-F4F8-4597-962C-A4F4B7960636}" type="datetimeFigureOut">
               <a:rPr lang="en-US" smtClean="0"/>
-              <a:t>8/6/2023</a:t>
+              <a:t>8/13/2023</a:t>
             </a:fld>
             <a:endParaRPr lang="en-US"/>
           </a:p>
@@ -2683,7 +2685,7 @@
           <a:p>
             <a:fld id="{C1691109-F4F8-4597-962C-A4F4B7960636}" type="datetimeFigureOut">
               <a:rPr lang="en-US" smtClean="0"/>
-              <a:t>8/6/2023</a:t>
+              <a:t>8/13/2023</a:t>
             </a:fld>
             <a:endParaRPr lang="en-US"/>
           </a:p>
@@ -2924,7 +2926,7 @@
           <a:p>
             <a:fld id="{C1691109-F4F8-4597-962C-A4F4B7960636}" type="datetimeFigureOut">
               <a:rPr lang="en-US" smtClean="0"/>
-              <a:t>8/6/2023</a:t>
+              <a:t>8/13/2023</a:t>
             </a:fld>
             <a:endParaRPr lang="en-US"/>
           </a:p>
@@ -4834,6 +4836,260 @@
 </p:sld>
 </file>
 
+<file path=ppt/slides/slide17.xml><?xml version="1.0" encoding="utf-8"?>
+<p:sld xmlns:a="http://schemas.openxmlformats.org/drawingml/2006/main" xmlns:r="http://schemas.openxmlformats.org/officeDocument/2006/relationships" xmlns:p="http://schemas.openxmlformats.org/presentationml/2006/main">
+  <p:cSld>
+    <p:spTree>
+      <p:nvGrpSpPr>
+        <p:cNvPr id="1" name=""/>
+        <p:cNvGrpSpPr/>
+        <p:nvPr/>
+      </p:nvGrpSpPr>
+      <p:grpSpPr>
+        <a:xfrm>
+          <a:off x="0" y="0"/>
+          <a:ext cx="0" cy="0"/>
+          <a:chOff x="0" y="0"/>
+          <a:chExt cx="0" cy="0"/>
+        </a:xfrm>
+      </p:grpSpPr>
+      <p:sp>
+        <p:nvSpPr>
+          <p:cNvPr id="2" name="Título 1">
+            <a:extLst>
+              <a:ext uri="{FF2B5EF4-FFF2-40B4-BE49-F238E27FC236}">
+                <a16:creationId xmlns:a16="http://schemas.microsoft.com/office/drawing/2014/main" id="{F676E418-9DD7-18B8-45F8-9760B688DA7F}"/>
+              </a:ext>
+            </a:extLst>
+          </p:cNvPr>
+          <p:cNvSpPr>
+            <a:spLocks noGrp="1"/>
+          </p:cNvSpPr>
+          <p:nvPr>
+            <p:ph type="title"/>
+          </p:nvPr>
+        </p:nvSpPr>
+        <p:spPr/>
+        <p:txBody>
+          <a:bodyPr/>
+          <a:lstStyle/>
+          <a:p>
+            <a:r>
+              <a:rPr lang="pt-BR" dirty="0"/>
+              <a:t>Criando um </a:t>
+            </a:r>
+            <a:r>
+              <a:rPr lang="pt-BR" dirty="0" err="1"/>
+              <a:t>client</a:t>
+            </a:r>
+            <a:endParaRPr lang="pt-BR" dirty="0"/>
+          </a:p>
+        </p:txBody>
+      </p:sp>
+      <p:sp>
+        <p:nvSpPr>
+          <p:cNvPr id="3" name="Espaço Reservado para Conteúdo 2">
+            <a:extLst>
+              <a:ext uri="{FF2B5EF4-FFF2-40B4-BE49-F238E27FC236}">
+                <a16:creationId xmlns:a16="http://schemas.microsoft.com/office/drawing/2014/main" id="{90F6297C-57F9-B1C9-8E9D-D13E03F3908A}"/>
+              </a:ext>
+            </a:extLst>
+          </p:cNvPr>
+          <p:cNvSpPr>
+            <a:spLocks noGrp="1"/>
+          </p:cNvSpPr>
+          <p:nvPr>
+            <p:ph idx="1"/>
+          </p:nvPr>
+        </p:nvSpPr>
+        <p:spPr/>
+        <p:txBody>
+          <a:bodyPr/>
+          <a:lstStyle/>
+          <a:p>
+            <a:r>
+              <a:rPr lang="pt-BR" dirty="0" err="1"/>
+              <a:t>Npm</a:t>
+            </a:r>
+            <a:r>
+              <a:rPr lang="pt-BR" dirty="0"/>
+              <a:t> </a:t>
+            </a:r>
+            <a:r>
+              <a:rPr lang="pt-BR" dirty="0" err="1"/>
+              <a:t>install</a:t>
+            </a:r>
+            <a:r>
+              <a:rPr lang="pt-BR" dirty="0"/>
+              <a:t> </a:t>
+            </a:r>
+            <a:r>
+              <a:rPr lang="pt-BR" dirty="0" err="1"/>
+              <a:t>axios</a:t>
+            </a:r>
+            <a:endParaRPr lang="pt-BR" dirty="0"/>
+          </a:p>
+          <a:p>
+            <a:endParaRPr lang="pt-BR" dirty="0"/>
+          </a:p>
+          <a:p>
+            <a:endParaRPr lang="pt-BR" dirty="0"/>
+          </a:p>
+        </p:txBody>
+      </p:sp>
+      <p:pic>
+        <p:nvPicPr>
+          <p:cNvPr id="5" name="Imagem 4">
+            <a:extLst>
+              <a:ext uri="{FF2B5EF4-FFF2-40B4-BE49-F238E27FC236}">
+                <a16:creationId xmlns:a16="http://schemas.microsoft.com/office/drawing/2014/main" id="{DE67C411-C35C-6AFE-4D2E-BEF26F59A012}"/>
+              </a:ext>
+            </a:extLst>
+          </p:cNvPr>
+          <p:cNvPicPr>
+            <a:picLocks noChangeAspect="1"/>
+          </p:cNvPicPr>
+          <p:nvPr/>
+        </p:nvPicPr>
+        <p:blipFill>
+          <a:blip r:embed="rId2"/>
+          <a:stretch>
+            <a:fillRect/>
+          </a:stretch>
+        </p:blipFill>
+        <p:spPr>
+          <a:xfrm>
+            <a:off x="7033504" y="151942"/>
+            <a:ext cx="3943900" cy="6554115"/>
+          </a:xfrm>
+          <a:prstGeom prst="rect">
+            <a:avLst/>
+          </a:prstGeom>
+        </p:spPr>
+      </p:pic>
+    </p:spTree>
+    <p:extLst>
+      <p:ext uri="{BB962C8B-B14F-4D97-AF65-F5344CB8AC3E}">
+        <p14:creationId xmlns:p14="http://schemas.microsoft.com/office/powerpoint/2010/main" val="427814466"/>
+      </p:ext>
+    </p:extLst>
+  </p:cSld>
+  <p:clrMapOvr>
+    <a:masterClrMapping/>
+  </p:clrMapOvr>
+</p:sld>
+</file>
+
+<file path=ppt/slides/slide18.xml><?xml version="1.0" encoding="utf-8"?>
+<p:sld xmlns:a="http://schemas.openxmlformats.org/drawingml/2006/main" xmlns:r="http://schemas.openxmlformats.org/officeDocument/2006/relationships" xmlns:p="http://schemas.openxmlformats.org/presentationml/2006/main">
+  <p:cSld>
+    <p:spTree>
+      <p:nvGrpSpPr>
+        <p:cNvPr id="1" name=""/>
+        <p:cNvGrpSpPr/>
+        <p:nvPr/>
+      </p:nvGrpSpPr>
+      <p:grpSpPr>
+        <a:xfrm>
+          <a:off x="0" y="0"/>
+          <a:ext cx="0" cy="0"/>
+          <a:chOff x="0" y="0"/>
+          <a:chExt cx="0" cy="0"/>
+        </a:xfrm>
+      </p:grpSpPr>
+      <p:sp>
+        <p:nvSpPr>
+          <p:cNvPr id="2" name="Título 1">
+            <a:extLst>
+              <a:ext uri="{FF2B5EF4-FFF2-40B4-BE49-F238E27FC236}">
+                <a16:creationId xmlns:a16="http://schemas.microsoft.com/office/drawing/2014/main" id="{B66C7E0B-121D-60A4-60F7-CB6179251590}"/>
+              </a:ext>
+            </a:extLst>
+          </p:cNvPr>
+          <p:cNvSpPr>
+            <a:spLocks noGrp="1"/>
+          </p:cNvSpPr>
+          <p:nvPr>
+            <p:ph type="title"/>
+          </p:nvPr>
+        </p:nvSpPr>
+        <p:spPr/>
+        <p:txBody>
+          <a:bodyPr/>
+          <a:lstStyle/>
+          <a:p>
+            <a:endParaRPr lang="pt-BR"/>
+          </a:p>
+        </p:txBody>
+      </p:sp>
+      <p:sp>
+        <p:nvSpPr>
+          <p:cNvPr id="3" name="Espaço Reservado para Conteúdo 2">
+            <a:extLst>
+              <a:ext uri="{FF2B5EF4-FFF2-40B4-BE49-F238E27FC236}">
+                <a16:creationId xmlns:a16="http://schemas.microsoft.com/office/drawing/2014/main" id="{201675F4-7F24-EBB6-1C74-E601CC561860}"/>
+              </a:ext>
+            </a:extLst>
+          </p:cNvPr>
+          <p:cNvSpPr>
+            <a:spLocks noGrp="1"/>
+          </p:cNvSpPr>
+          <p:nvPr>
+            <p:ph idx="1"/>
+          </p:nvPr>
+        </p:nvSpPr>
+        <p:spPr/>
+        <p:txBody>
+          <a:bodyPr/>
+          <a:lstStyle/>
+          <a:p>
+            <a:endParaRPr lang="pt-BR" dirty="0"/>
+          </a:p>
+        </p:txBody>
+      </p:sp>
+      <p:pic>
+        <p:nvPicPr>
+          <p:cNvPr id="5" name="Imagem 4">
+            <a:extLst>
+              <a:ext uri="{FF2B5EF4-FFF2-40B4-BE49-F238E27FC236}">
+                <a16:creationId xmlns:a16="http://schemas.microsoft.com/office/drawing/2014/main" id="{EFC888C0-E6CA-0AF5-984C-792630A3EE02}"/>
+              </a:ext>
+            </a:extLst>
+          </p:cNvPr>
+          <p:cNvPicPr>
+            <a:picLocks noChangeAspect="1"/>
+          </p:cNvPicPr>
+          <p:nvPr/>
+        </p:nvPicPr>
+        <p:blipFill>
+          <a:blip r:embed="rId2"/>
+          <a:stretch>
+            <a:fillRect/>
+          </a:stretch>
+        </p:blipFill>
+        <p:spPr>
+          <a:xfrm>
+            <a:off x="4149692" y="0"/>
+            <a:ext cx="3892615" cy="6858000"/>
+          </a:xfrm>
+          <a:prstGeom prst="rect">
+            <a:avLst/>
+          </a:prstGeom>
+        </p:spPr>
+      </p:pic>
+    </p:spTree>
+    <p:extLst>
+      <p:ext uri="{BB962C8B-B14F-4D97-AF65-F5344CB8AC3E}">
+        <p14:creationId xmlns:p14="http://schemas.microsoft.com/office/powerpoint/2010/main" val="2304746079"/>
+      </p:ext>
+    </p:extLst>
+  </p:cSld>
+  <p:clrMapOvr>
+    <a:masterClrMapping/>
+  </p:clrMapOvr>
+</p:sld>
+</file>
+
 <file path=ppt/slides/slide2.xml><?xml version="1.0" encoding="utf-8"?>
 <p:sld xmlns:a="http://schemas.openxmlformats.org/drawingml/2006/main" xmlns:r="http://schemas.openxmlformats.org/officeDocument/2006/relationships" xmlns:p="http://schemas.openxmlformats.org/presentationml/2006/main">
   <p:cSld>

--- a/prova-SENAC/Prova SENAC.pptx
+++ b/prova-SENAC/Prova SENAC.pptx
@@ -23,6 +23,7 @@
     <p:sldId id="274" r:id="rId17"/>
     <p:sldId id="275" r:id="rId18"/>
     <p:sldId id="276" r:id="rId19"/>
+    <p:sldId id="277" r:id="rId20"/>
   </p:sldIdLst>
   <p:sldSz cx="12192000" cy="6858000"/>
   <p:notesSz cx="6858000" cy="9144000"/>
@@ -129,6 +130,43 @@
 </p:presentation>
 </file>
 
+<file path=ppt/changesInfos/changesInfo1.xml><?xml version="1.0" encoding="utf-8"?>
+<pc:chgInfo xmlns:a="http://schemas.openxmlformats.org/drawingml/2006/main" xmlns:r="http://schemas.openxmlformats.org/officeDocument/2006/relationships" xmlns:ac="http://schemas.microsoft.com/office/drawing/2013/main/command" xmlns:pc="http://schemas.microsoft.com/office/powerpoint/2013/main/command">
+  <pc:docChgLst>
+    <pc:chgData name="RODOLFo BORTOLUZZI" userId="2f9df13b7ffa4ad2" providerId="LiveId" clId="{75BC9DE6-5F88-4036-8005-74699978EB56}"/>
+    <pc:docChg chg="undo custSel addSld modSld">
+      <pc:chgData name="RODOLFo BORTOLUZZI" userId="2f9df13b7ffa4ad2" providerId="LiveId" clId="{75BC9DE6-5F88-4036-8005-74699978EB56}" dt="2023-08-19T01:02:22.094" v="86" actId="20577"/>
+      <pc:docMkLst>
+        <pc:docMk/>
+      </pc:docMkLst>
+      <pc:sldChg chg="modSp new mod">
+        <pc:chgData name="RODOLFo BORTOLUZZI" userId="2f9df13b7ffa4ad2" providerId="LiveId" clId="{75BC9DE6-5F88-4036-8005-74699978EB56}" dt="2023-08-19T01:02:22.094" v="86" actId="20577"/>
+        <pc:sldMkLst>
+          <pc:docMk/>
+          <pc:sldMk cId="695854263" sldId="277"/>
+        </pc:sldMkLst>
+        <pc:spChg chg="mod">
+          <ac:chgData name="RODOLFo BORTOLUZZI" userId="2f9df13b7ffa4ad2" providerId="LiveId" clId="{75BC9DE6-5F88-4036-8005-74699978EB56}" dt="2023-08-19T01:01:53.320" v="32" actId="20577"/>
+          <ac:spMkLst>
+            <pc:docMk/>
+            <pc:sldMk cId="695854263" sldId="277"/>
+            <ac:spMk id="2" creationId="{7A5C408B-4911-0127-0C5F-FABDACE3E540}"/>
+          </ac:spMkLst>
+        </pc:spChg>
+        <pc:spChg chg="mod">
+          <ac:chgData name="RODOLFo BORTOLUZZI" userId="2f9df13b7ffa4ad2" providerId="LiveId" clId="{75BC9DE6-5F88-4036-8005-74699978EB56}" dt="2023-08-19T01:02:22.094" v="86" actId="20577"/>
+          <ac:spMkLst>
+            <pc:docMk/>
+            <pc:sldMk cId="695854263" sldId="277"/>
+            <ac:spMk id="3" creationId="{F84B15DE-7C63-A055-5E4A-2BE74259B779}"/>
+          </ac:spMkLst>
+        </pc:spChg>
+      </pc:sldChg>
+    </pc:docChg>
+  </pc:docChgLst>
+</pc:chgInfo>
+</file>
+
 <file path=ppt/slideLayouts/slideLayout1.xml><?xml version="1.0" encoding="utf-8"?>
 <p:sldLayout xmlns:a="http://schemas.openxmlformats.org/drawingml/2006/main" xmlns:r="http://schemas.openxmlformats.org/officeDocument/2006/relationships" xmlns:p="http://schemas.openxmlformats.org/presentationml/2006/main" type="title" preserve="1">
   <p:cSld name="Slide de Título">
@@ -276,7 +314,7 @@
           <a:p>
             <a:fld id="{C1691109-F4F8-4597-962C-A4F4B7960636}" type="datetimeFigureOut">
               <a:rPr lang="en-US" smtClean="0"/>
-              <a:t>8/13/2023</a:t>
+              <a:t>8/18/2023</a:t>
             </a:fld>
             <a:endParaRPr lang="en-US"/>
           </a:p>
@@ -474,7 +512,7 @@
           <a:p>
             <a:fld id="{C1691109-F4F8-4597-962C-A4F4B7960636}" type="datetimeFigureOut">
               <a:rPr lang="en-US" smtClean="0"/>
-              <a:t>8/13/2023</a:t>
+              <a:t>8/18/2023</a:t>
             </a:fld>
             <a:endParaRPr lang="en-US"/>
           </a:p>
@@ -682,7 +720,7 @@
           <a:p>
             <a:fld id="{C1691109-F4F8-4597-962C-A4F4B7960636}" type="datetimeFigureOut">
               <a:rPr lang="en-US" smtClean="0"/>
-              <a:t>8/13/2023</a:t>
+              <a:t>8/18/2023</a:t>
             </a:fld>
             <a:endParaRPr lang="en-US"/>
           </a:p>
@@ -880,7 +918,7 @@
           <a:p>
             <a:fld id="{C1691109-F4F8-4597-962C-A4F4B7960636}" type="datetimeFigureOut">
               <a:rPr lang="en-US" smtClean="0"/>
-              <a:t>8/13/2023</a:t>
+              <a:t>8/18/2023</a:t>
             </a:fld>
             <a:endParaRPr lang="en-US"/>
           </a:p>
@@ -1155,7 +1193,7 @@
           <a:p>
             <a:fld id="{C1691109-F4F8-4597-962C-A4F4B7960636}" type="datetimeFigureOut">
               <a:rPr lang="en-US" smtClean="0"/>
-              <a:t>8/13/2023</a:t>
+              <a:t>8/18/2023</a:t>
             </a:fld>
             <a:endParaRPr lang="en-US"/>
           </a:p>
@@ -1420,7 +1458,7 @@
           <a:p>
             <a:fld id="{C1691109-F4F8-4597-962C-A4F4B7960636}" type="datetimeFigureOut">
               <a:rPr lang="en-US" smtClean="0"/>
-              <a:t>8/13/2023</a:t>
+              <a:t>8/18/2023</a:t>
             </a:fld>
             <a:endParaRPr lang="en-US"/>
           </a:p>
@@ -1832,7 +1870,7 @@
           <a:p>
             <a:fld id="{C1691109-F4F8-4597-962C-A4F4B7960636}" type="datetimeFigureOut">
               <a:rPr lang="en-US" smtClean="0"/>
-              <a:t>8/13/2023</a:t>
+              <a:t>8/18/2023</a:t>
             </a:fld>
             <a:endParaRPr lang="en-US"/>
           </a:p>
@@ -1973,7 +2011,7 @@
           <a:p>
             <a:fld id="{C1691109-F4F8-4597-962C-A4F4B7960636}" type="datetimeFigureOut">
               <a:rPr lang="en-US" smtClean="0"/>
-              <a:t>8/13/2023</a:t>
+              <a:t>8/18/2023</a:t>
             </a:fld>
             <a:endParaRPr lang="en-US"/>
           </a:p>
@@ -2086,7 +2124,7 @@
           <a:p>
             <a:fld id="{C1691109-F4F8-4597-962C-A4F4B7960636}" type="datetimeFigureOut">
               <a:rPr lang="en-US" smtClean="0"/>
-              <a:t>8/13/2023</a:t>
+              <a:t>8/18/2023</a:t>
             </a:fld>
             <a:endParaRPr lang="en-US"/>
           </a:p>
@@ -2397,7 +2435,7 @@
           <a:p>
             <a:fld id="{C1691109-F4F8-4597-962C-A4F4B7960636}" type="datetimeFigureOut">
               <a:rPr lang="en-US" smtClean="0"/>
-              <a:t>8/13/2023</a:t>
+              <a:t>8/18/2023</a:t>
             </a:fld>
             <a:endParaRPr lang="en-US"/>
           </a:p>
@@ -2685,7 +2723,7 @@
           <a:p>
             <a:fld id="{C1691109-F4F8-4597-962C-A4F4B7960636}" type="datetimeFigureOut">
               <a:rPr lang="en-US" smtClean="0"/>
-              <a:t>8/13/2023</a:t>
+              <a:t>8/18/2023</a:t>
             </a:fld>
             <a:endParaRPr lang="en-US"/>
           </a:p>
@@ -2926,7 +2964,7 @@
           <a:p>
             <a:fld id="{C1691109-F4F8-4597-962C-A4F4B7960636}" type="datetimeFigureOut">
               <a:rPr lang="en-US" smtClean="0"/>
-              <a:t>8/13/2023</a:t>
+              <a:t>8/18/2023</a:t>
             </a:fld>
             <a:endParaRPr lang="en-US"/>
           </a:p>
@@ -5090,6 +5128,134 @@
 </p:sld>
 </file>
 
+<file path=ppt/slides/slide19.xml><?xml version="1.0" encoding="utf-8"?>
+<p:sld xmlns:a="http://schemas.openxmlformats.org/drawingml/2006/main" xmlns:r="http://schemas.openxmlformats.org/officeDocument/2006/relationships" xmlns:p="http://schemas.openxmlformats.org/presentationml/2006/main">
+  <p:cSld>
+    <p:spTree>
+      <p:nvGrpSpPr>
+        <p:cNvPr id="1" name=""/>
+        <p:cNvGrpSpPr/>
+        <p:nvPr/>
+      </p:nvGrpSpPr>
+      <p:grpSpPr>
+        <a:xfrm>
+          <a:off x="0" y="0"/>
+          <a:ext cx="0" cy="0"/>
+          <a:chOff x="0" y="0"/>
+          <a:chExt cx="0" cy="0"/>
+        </a:xfrm>
+      </p:grpSpPr>
+      <p:sp>
+        <p:nvSpPr>
+          <p:cNvPr id="2" name="Título 1">
+            <a:extLst>
+              <a:ext uri="{FF2B5EF4-FFF2-40B4-BE49-F238E27FC236}">
+                <a16:creationId xmlns:a16="http://schemas.microsoft.com/office/drawing/2014/main" id="{7A5C408B-4911-0127-0C5F-FABDACE3E540}"/>
+              </a:ext>
+            </a:extLst>
+          </p:cNvPr>
+          <p:cNvSpPr>
+            <a:spLocks noGrp="1"/>
+          </p:cNvSpPr>
+          <p:nvPr>
+            <p:ph type="title"/>
+          </p:nvPr>
+        </p:nvSpPr>
+        <p:spPr/>
+        <p:txBody>
+          <a:bodyPr/>
+          <a:lstStyle/>
+          <a:p>
+            <a:r>
+              <a:rPr lang="pt-BR" dirty="0"/>
+              <a:t>Implementando um </a:t>
+            </a:r>
+            <a:r>
+              <a:rPr lang="pt-BR" dirty="0" err="1"/>
+              <a:t>router</a:t>
+            </a:r>
+            <a:r>
+              <a:rPr lang="pt-BR" dirty="0"/>
+              <a:t> no </a:t>
+            </a:r>
+            <a:r>
+              <a:rPr lang="pt-BR" dirty="0" err="1"/>
+              <a:t>react</a:t>
+            </a:r>
+            <a:endParaRPr lang="pt-BR" dirty="0"/>
+          </a:p>
+        </p:txBody>
+      </p:sp>
+      <p:sp>
+        <p:nvSpPr>
+          <p:cNvPr id="3" name="Espaço Reservado para Conteúdo 2">
+            <a:extLst>
+              <a:ext uri="{FF2B5EF4-FFF2-40B4-BE49-F238E27FC236}">
+                <a16:creationId xmlns:a16="http://schemas.microsoft.com/office/drawing/2014/main" id="{F84B15DE-7C63-A055-5E4A-2BE74259B779}"/>
+              </a:ext>
+            </a:extLst>
+          </p:cNvPr>
+          <p:cNvSpPr>
+            <a:spLocks noGrp="1"/>
+          </p:cNvSpPr>
+          <p:nvPr>
+            <p:ph idx="1"/>
+          </p:nvPr>
+        </p:nvSpPr>
+        <p:spPr/>
+        <p:txBody>
+          <a:bodyPr/>
+          <a:lstStyle/>
+          <a:p>
+            <a:r>
+              <a:rPr lang="pt-BR" dirty="0" err="1"/>
+              <a:t>npm</a:t>
+            </a:r>
+            <a:r>
+              <a:rPr lang="pt-BR" dirty="0"/>
+              <a:t> </a:t>
+            </a:r>
+            <a:r>
+              <a:rPr lang="pt-BR" dirty="0" err="1"/>
+              <a:t>install</a:t>
+            </a:r>
+            <a:r>
+              <a:rPr lang="pt-BR" dirty="0"/>
+              <a:t> </a:t>
+            </a:r>
+            <a:r>
+              <a:rPr lang="pt-BR" dirty="0" err="1"/>
+              <a:t>react</a:t>
+            </a:r>
+            <a:r>
+              <a:rPr lang="pt-BR" dirty="0"/>
+              <a:t>-</a:t>
+            </a:r>
+            <a:r>
+              <a:rPr lang="pt-BR" dirty="0" err="1"/>
+              <a:t>router</a:t>
+            </a:r>
+            <a:r>
+              <a:rPr lang="pt-BR"/>
+              <a:t>-dom @types/react-router-dom</a:t>
+            </a:r>
+            <a:endParaRPr lang="pt-BR" dirty="0"/>
+          </a:p>
+        </p:txBody>
+      </p:sp>
+    </p:spTree>
+    <p:extLst>
+      <p:ext uri="{BB962C8B-B14F-4D97-AF65-F5344CB8AC3E}">
+        <p14:creationId xmlns:p14="http://schemas.microsoft.com/office/powerpoint/2010/main" val="695854263"/>
+      </p:ext>
+    </p:extLst>
+  </p:cSld>
+  <p:clrMapOvr>
+    <a:masterClrMapping/>
+  </p:clrMapOvr>
+</p:sld>
+</file>
+
 <file path=ppt/slides/slide2.xml><?xml version="1.0" encoding="utf-8"?>
 <p:sld xmlns:a="http://schemas.openxmlformats.org/drawingml/2006/main" xmlns:r="http://schemas.openxmlformats.org/officeDocument/2006/relationships" xmlns:p="http://schemas.openxmlformats.org/presentationml/2006/main">
   <p:cSld>

--- a/prova-SENAC/Prova SENAC.pptx
+++ b/prova-SENAC/Prova SENAC.pptx
@@ -23,7 +23,8 @@
     <p:sldId id="274" r:id="rId17"/>
     <p:sldId id="275" r:id="rId18"/>
     <p:sldId id="276" r:id="rId19"/>
-    <p:sldId id="277" r:id="rId20"/>
+    <p:sldId id="278" r:id="rId20"/>
+    <p:sldId id="277" r:id="rId21"/>
   </p:sldIdLst>
   <p:sldSz cx="12192000" cy="6858000"/>
   <p:notesSz cx="6858000" cy="9144000"/>
@@ -135,7 +136,7 @@
   <pc:docChgLst>
     <pc:chgData name="RODOLFo BORTOLUZZI" userId="2f9df13b7ffa4ad2" providerId="LiveId" clId="{75BC9DE6-5F88-4036-8005-74699978EB56}"/>
     <pc:docChg chg="undo custSel addSld modSld">
-      <pc:chgData name="RODOLFo BORTOLUZZI" userId="2f9df13b7ffa4ad2" providerId="LiveId" clId="{75BC9DE6-5F88-4036-8005-74699978EB56}" dt="2023-08-19T01:02:22.094" v="86" actId="20577"/>
+      <pc:chgData name="RODOLFo BORTOLUZZI" userId="2f9df13b7ffa4ad2" providerId="LiveId" clId="{75BC9DE6-5F88-4036-8005-74699978EB56}" dt="2023-08-19T12:06:48.824" v="108" actId="20577"/>
       <pc:docMkLst>
         <pc:docMk/>
       </pc:docMkLst>
@@ -159,6 +160,29 @@
             <pc:docMk/>
             <pc:sldMk cId="695854263" sldId="277"/>
             <ac:spMk id="3" creationId="{F84B15DE-7C63-A055-5E4A-2BE74259B779}"/>
+          </ac:spMkLst>
+        </pc:spChg>
+      </pc:sldChg>
+      <pc:sldChg chg="modSp new mod">
+        <pc:chgData name="RODOLFo BORTOLUZZI" userId="2f9df13b7ffa4ad2" providerId="LiveId" clId="{75BC9DE6-5F88-4036-8005-74699978EB56}" dt="2023-08-19T12:06:48.824" v="108" actId="20577"/>
+        <pc:sldMkLst>
+          <pc:docMk/>
+          <pc:sldMk cId="400594949" sldId="278"/>
+        </pc:sldMkLst>
+        <pc:spChg chg="mod">
+          <ac:chgData name="RODOLFo BORTOLUZZI" userId="2f9df13b7ffa4ad2" providerId="LiveId" clId="{75BC9DE6-5F88-4036-8005-74699978EB56}" dt="2023-08-19T12:06:21.039" v="104" actId="20577"/>
+          <ac:spMkLst>
+            <pc:docMk/>
+            <pc:sldMk cId="400594949" sldId="278"/>
+            <ac:spMk id="2" creationId="{950734AA-D7A8-9B8A-F1F2-91DCC667B256}"/>
+          </ac:spMkLst>
+        </pc:spChg>
+        <pc:spChg chg="mod">
+          <ac:chgData name="RODOLFo BORTOLUZZI" userId="2f9df13b7ffa4ad2" providerId="LiveId" clId="{75BC9DE6-5F88-4036-8005-74699978EB56}" dt="2023-08-19T12:06:48.824" v="108" actId="20577"/>
+          <ac:spMkLst>
+            <pc:docMk/>
+            <pc:sldMk cId="400594949" sldId="278"/>
+            <ac:spMk id="3" creationId="{E5402909-CD9D-5705-FDDB-76E829601A3F}"/>
           </ac:spMkLst>
         </pc:spChg>
       </pc:sldChg>
@@ -314,7 +338,7 @@
           <a:p>
             <a:fld id="{C1691109-F4F8-4597-962C-A4F4B7960636}" type="datetimeFigureOut">
               <a:rPr lang="en-US" smtClean="0"/>
-              <a:t>8/18/2023</a:t>
+              <a:t>8/19/2023</a:t>
             </a:fld>
             <a:endParaRPr lang="en-US"/>
           </a:p>
@@ -512,7 +536,7 @@
           <a:p>
             <a:fld id="{C1691109-F4F8-4597-962C-A4F4B7960636}" type="datetimeFigureOut">
               <a:rPr lang="en-US" smtClean="0"/>
-              <a:t>8/18/2023</a:t>
+              <a:t>8/19/2023</a:t>
             </a:fld>
             <a:endParaRPr lang="en-US"/>
           </a:p>
@@ -720,7 +744,7 @@
           <a:p>
             <a:fld id="{C1691109-F4F8-4597-962C-A4F4B7960636}" type="datetimeFigureOut">
               <a:rPr lang="en-US" smtClean="0"/>
-              <a:t>8/18/2023</a:t>
+              <a:t>8/19/2023</a:t>
             </a:fld>
             <a:endParaRPr lang="en-US"/>
           </a:p>
@@ -918,7 +942,7 @@
           <a:p>
             <a:fld id="{C1691109-F4F8-4597-962C-A4F4B7960636}" type="datetimeFigureOut">
               <a:rPr lang="en-US" smtClean="0"/>
-              <a:t>8/18/2023</a:t>
+              <a:t>8/19/2023</a:t>
             </a:fld>
             <a:endParaRPr lang="en-US"/>
           </a:p>
@@ -1193,7 +1217,7 @@
           <a:p>
             <a:fld id="{C1691109-F4F8-4597-962C-A4F4B7960636}" type="datetimeFigureOut">
               <a:rPr lang="en-US" smtClean="0"/>
-              <a:t>8/18/2023</a:t>
+              <a:t>8/19/2023</a:t>
             </a:fld>
             <a:endParaRPr lang="en-US"/>
           </a:p>
@@ -1458,7 +1482,7 @@
           <a:p>
             <a:fld id="{C1691109-F4F8-4597-962C-A4F4B7960636}" type="datetimeFigureOut">
               <a:rPr lang="en-US" smtClean="0"/>
-              <a:t>8/18/2023</a:t>
+              <a:t>8/19/2023</a:t>
             </a:fld>
             <a:endParaRPr lang="en-US"/>
           </a:p>
@@ -1870,7 +1894,7 @@
           <a:p>
             <a:fld id="{C1691109-F4F8-4597-962C-A4F4B7960636}" type="datetimeFigureOut">
               <a:rPr lang="en-US" smtClean="0"/>
-              <a:t>8/18/2023</a:t>
+              <a:t>8/19/2023</a:t>
             </a:fld>
             <a:endParaRPr lang="en-US"/>
           </a:p>
@@ -2011,7 +2035,7 @@
           <a:p>
             <a:fld id="{C1691109-F4F8-4597-962C-A4F4B7960636}" type="datetimeFigureOut">
               <a:rPr lang="en-US" smtClean="0"/>
-              <a:t>8/18/2023</a:t>
+              <a:t>8/19/2023</a:t>
             </a:fld>
             <a:endParaRPr lang="en-US"/>
           </a:p>
@@ -2124,7 +2148,7 @@
           <a:p>
             <a:fld id="{C1691109-F4F8-4597-962C-A4F4B7960636}" type="datetimeFigureOut">
               <a:rPr lang="en-US" smtClean="0"/>
-              <a:t>8/18/2023</a:t>
+              <a:t>8/19/2023</a:t>
             </a:fld>
             <a:endParaRPr lang="en-US"/>
           </a:p>
@@ -2435,7 +2459,7 @@
           <a:p>
             <a:fld id="{C1691109-F4F8-4597-962C-A4F4B7960636}" type="datetimeFigureOut">
               <a:rPr lang="en-US" smtClean="0"/>
-              <a:t>8/18/2023</a:t>
+              <a:t>8/19/2023</a:t>
             </a:fld>
             <a:endParaRPr lang="en-US"/>
           </a:p>
@@ -2723,7 +2747,7 @@
           <a:p>
             <a:fld id="{C1691109-F4F8-4597-962C-A4F4B7960636}" type="datetimeFigureOut">
               <a:rPr lang="en-US" smtClean="0"/>
-              <a:t>8/18/2023</a:t>
+              <a:t>8/19/2023</a:t>
             </a:fld>
             <a:endParaRPr lang="en-US"/>
           </a:p>
@@ -2964,7 +2988,7 @@
           <a:p>
             <a:fld id="{C1691109-F4F8-4597-962C-A4F4B7960636}" type="datetimeFigureOut">
               <a:rPr lang="en-US" smtClean="0"/>
-              <a:t>8/18/2023</a:t>
+              <a:t>8/19/2023</a:t>
             </a:fld>
             <a:endParaRPr lang="en-US"/>
           </a:p>
@@ -5150,7 +5174,7 @@
           <p:cNvPr id="2" name="Título 1">
             <a:extLst>
               <a:ext uri="{FF2B5EF4-FFF2-40B4-BE49-F238E27FC236}">
-                <a16:creationId xmlns:a16="http://schemas.microsoft.com/office/drawing/2014/main" id="{7A5C408B-4911-0127-0C5F-FABDACE3E540}"/>
+                <a16:creationId xmlns:a16="http://schemas.microsoft.com/office/drawing/2014/main" id="{950734AA-D7A8-9B8A-F1F2-91DCC667B256}"/>
               </a:ext>
             </a:extLst>
           </p:cNvPr>
@@ -5167,49 +5191,8 @@
           <a:lstStyle/>
           <a:p>
             <a:r>
-              <a:rPr lang="pt-BR" dirty="0"/>
-              <a:t>Implementando um </a:t>
-            </a:r>
-            <a:r>
               <a:rPr lang="pt-BR" dirty="0" err="1"/>
-              <a:t>router</a:t>
-            </a:r>
-            <a:r>
-              <a:rPr lang="pt-BR" dirty="0"/>
-              <a:t> no </a:t>
-            </a:r>
-            <a:r>
-              <a:rPr lang="pt-BR" dirty="0" err="1"/>
-              <a:t>react</a:t>
-            </a:r>
-            <a:endParaRPr lang="pt-BR" dirty="0"/>
-          </a:p>
-        </p:txBody>
-      </p:sp>
-      <p:sp>
-        <p:nvSpPr>
-          <p:cNvPr id="3" name="Espaço Reservado para Conteúdo 2">
-            <a:extLst>
-              <a:ext uri="{FF2B5EF4-FFF2-40B4-BE49-F238E27FC236}">
-                <a16:creationId xmlns:a16="http://schemas.microsoft.com/office/drawing/2014/main" id="{F84B15DE-7C63-A055-5E4A-2BE74259B779}"/>
-              </a:ext>
-            </a:extLst>
-          </p:cNvPr>
-          <p:cNvSpPr>
-            <a:spLocks noGrp="1"/>
-          </p:cNvSpPr>
-          <p:nvPr>
-            <p:ph idx="1"/>
-          </p:nvPr>
-        </p:nvSpPr>
-        <p:spPr/>
-        <p:txBody>
-          <a:bodyPr/>
-          <a:lstStyle/>
-          <a:p>
-            <a:r>
-              <a:rPr lang="pt-BR" dirty="0" err="1"/>
-              <a:t>npm</a:t>
+              <a:t>React</a:t>
             </a:r>
             <a:r>
               <a:rPr lang="pt-BR" dirty="0"/>
@@ -5217,7 +5200,45 @@
             </a:r>
             <a:r>
               <a:rPr lang="pt-BR" dirty="0" err="1"/>
-              <a:t>install</a:t>
+              <a:t>Router</a:t>
+            </a:r>
+            <a:r>
+              <a:rPr lang="pt-BR" dirty="0"/>
+              <a:t> Dom	</a:t>
+            </a:r>
+          </a:p>
+        </p:txBody>
+      </p:sp>
+      <p:sp>
+        <p:nvSpPr>
+          <p:cNvPr id="3" name="Espaço Reservado para Conteúdo 2">
+            <a:extLst>
+              <a:ext uri="{FF2B5EF4-FFF2-40B4-BE49-F238E27FC236}">
+                <a16:creationId xmlns:a16="http://schemas.microsoft.com/office/drawing/2014/main" id="{E5402909-CD9D-5705-FDDB-76E829601A3F}"/>
+              </a:ext>
+            </a:extLst>
+          </p:cNvPr>
+          <p:cNvSpPr>
+            <a:spLocks noGrp="1"/>
+          </p:cNvSpPr>
+          <p:nvPr>
+            <p:ph idx="1"/>
+          </p:nvPr>
+        </p:nvSpPr>
+        <p:spPr/>
+        <p:txBody>
+          <a:bodyPr>
+            <a:normAutofit fontScale="77500" lnSpcReduction="20000"/>
+          </a:bodyPr>
+          <a:lstStyle/>
+          <a:p>
+            <a:r>
+              <a:rPr lang="pt-BR" dirty="0"/>
+              <a:t>Por que usar o </a:t>
+            </a:r>
+            <a:r>
+              <a:rPr lang="pt-BR" dirty="0" err="1"/>
+              <a:t>React</a:t>
             </a:r>
             <a:r>
               <a:rPr lang="pt-BR" dirty="0"/>
@@ -5225,28 +5246,130 @@
             </a:r>
             <a:r>
               <a:rPr lang="pt-BR" dirty="0" err="1"/>
-              <a:t>react</a:t>
+              <a:t>Router</a:t>
             </a:r>
             <a:r>
               <a:rPr lang="pt-BR" dirty="0"/>
-              <a:t>-</a:t>
+              <a:t> para roteamento?</a:t>
+            </a:r>
+          </a:p>
+          <a:p>
+            <a:r>
+              <a:rPr lang="pt-BR" dirty="0"/>
+              <a:t>Os aplicativos da Web tradicionais de várias páginas geralmente têm vários arquivos de exibição (páginas) para renderizar diferentes exibições, mas os </a:t>
             </a:r>
             <a:r>
               <a:rPr lang="pt-BR" dirty="0" err="1"/>
-              <a:t>router</a:t>
+              <a:t>SPAs</a:t>
+            </a:r>
+            <a:r>
+              <a:rPr lang="pt-BR" dirty="0"/>
+              <a:t> modernos usam exibições baseadas em componentes. Portanto, você precisa alternar os componentes com base na URL por meio do conceito de roteamento. Cada </a:t>
             </a:r>
             <a:r>
               <a:rPr lang="pt-BR"/>
-              <a:t>-dom @types/react-router-dom</a:t>
-            </a:r>
+              <a:t>requisito de desenvolvimento </a:t>
+            </a:r>
+            <a:r>
+              <a:rPr lang="pt-BR" dirty="0"/>
+              <a:t>que ocorre no desenvolvimento de aplicativos </a:t>
+            </a:r>
+            <a:r>
+              <a:rPr lang="pt-BR" dirty="0" err="1"/>
+              <a:t>React</a:t>
+            </a:r>
+            <a:r>
+              <a:rPr lang="pt-BR" dirty="0"/>
+              <a:t> não precisa de uma biblioteca de terceiros. Ainda assim, os requisitos de roteamento são, sem dúvida, complexos e precisam de uma biblioteca </a:t>
+            </a:r>
+            <a:r>
+              <a:rPr lang="pt-BR" dirty="0" err="1"/>
+              <a:t>pré</a:t>
+            </a:r>
+            <a:r>
+              <a:rPr lang="pt-BR" dirty="0"/>
+              <a:t>-desenvolvida para criar aplicativos de forma produtiva.</a:t>
+            </a:r>
+          </a:p>
+          <a:p>
             <a:endParaRPr lang="pt-BR" dirty="0"/>
+          </a:p>
+          <a:p>
+            <a:r>
+              <a:rPr lang="pt-BR" dirty="0"/>
+              <a:t>O </a:t>
+            </a:r>
+            <a:r>
+              <a:rPr lang="pt-BR" dirty="0" err="1"/>
+              <a:t>React</a:t>
+            </a:r>
+            <a:r>
+              <a:rPr lang="pt-BR" dirty="0"/>
+              <a:t> </a:t>
+            </a:r>
+            <a:r>
+              <a:rPr lang="pt-BR" dirty="0" err="1"/>
+              <a:t>Router</a:t>
+            </a:r>
+            <a:r>
+              <a:rPr lang="pt-BR" dirty="0"/>
+              <a:t> é a biblioteca de roteamento mais popular e com todos os recursos para </a:t>
+            </a:r>
+            <a:r>
+              <a:rPr lang="pt-BR" dirty="0" err="1"/>
+              <a:t>SPAs</a:t>
+            </a:r>
+            <a:r>
+              <a:rPr lang="pt-BR" dirty="0"/>
+              <a:t> baseados em </a:t>
+            </a:r>
+            <a:r>
+              <a:rPr lang="pt-BR" dirty="0" err="1"/>
+              <a:t>React</a:t>
+            </a:r>
+            <a:r>
+              <a:rPr lang="pt-BR" dirty="0"/>
+              <a:t>. Ele vem com tamanho leve, API fácil de aprender e documentação bem escrita para que todo desenvolvedor </a:t>
+            </a:r>
+            <a:r>
+              <a:rPr lang="pt-BR" dirty="0" err="1"/>
+              <a:t>React</a:t>
+            </a:r>
+            <a:r>
+              <a:rPr lang="pt-BR" dirty="0"/>
+              <a:t> possa implementar o roteamento de forma produtiva em qualquer aplicativo </a:t>
+            </a:r>
+            <a:r>
+              <a:rPr lang="pt-BR" dirty="0" err="1"/>
+              <a:t>React</a:t>
+            </a:r>
+            <a:r>
+              <a:rPr lang="pt-BR" dirty="0"/>
+              <a:t>. Além disso, o </a:t>
+            </a:r>
+            <a:r>
+              <a:rPr lang="pt-BR" dirty="0" err="1"/>
+              <a:t>React</a:t>
+            </a:r>
+            <a:r>
+              <a:rPr lang="pt-BR" dirty="0"/>
+              <a:t> </a:t>
+            </a:r>
+            <a:r>
+              <a:rPr lang="pt-BR" dirty="0" err="1"/>
+              <a:t>Router</a:t>
+            </a:r>
+            <a:r>
+              <a:rPr lang="pt-BR" dirty="0"/>
+              <a:t> agora é um projeto mantido pelo Remix com desenvolvimento ativo e suporte ao desenvolvedor.</a:t>
+            </a:r>
           </a:p>
         </p:txBody>
       </p:sp>
     </p:spTree>
     <p:extLst>
       <p:ext uri="{BB962C8B-B14F-4D97-AF65-F5344CB8AC3E}">
-        <p14:creationId xmlns:p14="http://schemas.microsoft.com/office/powerpoint/2010/main" val="695854263"/>
+        <p14:creationId xmlns:p14="http://schemas.microsoft.com/office/powerpoint/2010/main" val="400594949"/>
       </p:ext>
     </p:extLst>
   </p:cSld>
@@ -5854,6 +5977,134 @@
     <p:extLst>
       <p:ext uri="{BB962C8B-B14F-4D97-AF65-F5344CB8AC3E}">
         <p14:creationId xmlns:p14="http://schemas.microsoft.com/office/powerpoint/2010/main" val="3570182246"/>
+      </p:ext>
+    </p:extLst>
+  </p:cSld>
+  <p:clrMapOvr>
+    <a:masterClrMapping/>
+  </p:clrMapOvr>
+</p:sld>
+</file>
+
+<file path=ppt/slides/slide20.xml><?xml version="1.0" encoding="utf-8"?>
+<p:sld xmlns:a="http://schemas.openxmlformats.org/drawingml/2006/main" xmlns:r="http://schemas.openxmlformats.org/officeDocument/2006/relationships" xmlns:p="http://schemas.openxmlformats.org/presentationml/2006/main">
+  <p:cSld>
+    <p:spTree>
+      <p:nvGrpSpPr>
+        <p:cNvPr id="1" name=""/>
+        <p:cNvGrpSpPr/>
+        <p:nvPr/>
+      </p:nvGrpSpPr>
+      <p:grpSpPr>
+        <a:xfrm>
+          <a:off x="0" y="0"/>
+          <a:ext cx="0" cy="0"/>
+          <a:chOff x="0" y="0"/>
+          <a:chExt cx="0" cy="0"/>
+        </a:xfrm>
+      </p:grpSpPr>
+      <p:sp>
+        <p:nvSpPr>
+          <p:cNvPr id="2" name="Título 1">
+            <a:extLst>
+              <a:ext uri="{FF2B5EF4-FFF2-40B4-BE49-F238E27FC236}">
+                <a16:creationId xmlns:a16="http://schemas.microsoft.com/office/drawing/2014/main" id="{7A5C408B-4911-0127-0C5F-FABDACE3E540}"/>
+              </a:ext>
+            </a:extLst>
+          </p:cNvPr>
+          <p:cNvSpPr>
+            <a:spLocks noGrp="1"/>
+          </p:cNvSpPr>
+          <p:nvPr>
+            <p:ph type="title"/>
+          </p:nvPr>
+        </p:nvSpPr>
+        <p:spPr/>
+        <p:txBody>
+          <a:bodyPr/>
+          <a:lstStyle/>
+          <a:p>
+            <a:r>
+              <a:rPr lang="pt-BR" dirty="0"/>
+              <a:t>Implementando um </a:t>
+            </a:r>
+            <a:r>
+              <a:rPr lang="pt-BR" dirty="0" err="1"/>
+              <a:t>router</a:t>
+            </a:r>
+            <a:r>
+              <a:rPr lang="pt-BR" dirty="0"/>
+              <a:t> no </a:t>
+            </a:r>
+            <a:r>
+              <a:rPr lang="pt-BR" dirty="0" err="1"/>
+              <a:t>react</a:t>
+            </a:r>
+            <a:endParaRPr lang="pt-BR" dirty="0"/>
+          </a:p>
+        </p:txBody>
+      </p:sp>
+      <p:sp>
+        <p:nvSpPr>
+          <p:cNvPr id="3" name="Espaço Reservado para Conteúdo 2">
+            <a:extLst>
+              <a:ext uri="{FF2B5EF4-FFF2-40B4-BE49-F238E27FC236}">
+                <a16:creationId xmlns:a16="http://schemas.microsoft.com/office/drawing/2014/main" id="{F84B15DE-7C63-A055-5E4A-2BE74259B779}"/>
+              </a:ext>
+            </a:extLst>
+          </p:cNvPr>
+          <p:cNvSpPr>
+            <a:spLocks noGrp="1"/>
+          </p:cNvSpPr>
+          <p:nvPr>
+            <p:ph idx="1"/>
+          </p:nvPr>
+        </p:nvSpPr>
+        <p:spPr/>
+        <p:txBody>
+          <a:bodyPr/>
+          <a:lstStyle/>
+          <a:p>
+            <a:r>
+              <a:rPr lang="pt-BR" dirty="0" err="1"/>
+              <a:t>npm</a:t>
+            </a:r>
+            <a:r>
+              <a:rPr lang="pt-BR" dirty="0"/>
+              <a:t> </a:t>
+            </a:r>
+            <a:r>
+              <a:rPr lang="pt-BR" dirty="0" err="1"/>
+              <a:t>install</a:t>
+            </a:r>
+            <a:r>
+              <a:rPr lang="pt-BR" dirty="0"/>
+              <a:t> </a:t>
+            </a:r>
+            <a:r>
+              <a:rPr lang="pt-BR" dirty="0" err="1"/>
+              <a:t>react</a:t>
+            </a:r>
+            <a:r>
+              <a:rPr lang="pt-BR" dirty="0"/>
+              <a:t>-</a:t>
+            </a:r>
+            <a:r>
+              <a:rPr lang="pt-BR" dirty="0" err="1"/>
+              <a:t>router</a:t>
+            </a:r>
+            <a:r>
+              <a:rPr lang="pt-BR"/>
+              <a:t>-dom @types/react-router-dom</a:t>
+            </a:r>
+            <a:endParaRPr lang="pt-BR" dirty="0"/>
+          </a:p>
+        </p:txBody>
+      </p:sp>
+    </p:spTree>
+    <p:extLst>
+      <p:ext uri="{BB962C8B-B14F-4D97-AF65-F5344CB8AC3E}">
+        <p14:creationId xmlns:p14="http://schemas.microsoft.com/office/powerpoint/2010/main" val="695854263"/>
       </p:ext>
     </p:extLst>
   </p:cSld>

--- a/prova-SENAC/Prova SENAC.pptx
+++ b/prova-SENAC/Prova SENAC.pptx
@@ -25,6 +25,8 @@
     <p:sldId id="276" r:id="rId19"/>
     <p:sldId id="278" r:id="rId20"/>
     <p:sldId id="277" r:id="rId21"/>
+    <p:sldId id="279" r:id="rId22"/>
+    <p:sldId id="281" r:id="rId23"/>
   </p:sldIdLst>
   <p:sldSz cx="12192000" cy="6858000"/>
   <p:notesSz cx="6858000" cy="9144000"/>
@@ -338,7 +340,7 @@
           <a:p>
             <a:fld id="{C1691109-F4F8-4597-962C-A4F4B7960636}" type="datetimeFigureOut">
               <a:rPr lang="en-US" smtClean="0"/>
-              <a:t>8/19/2023</a:t>
+              <a:t>9/11/2023</a:t>
             </a:fld>
             <a:endParaRPr lang="en-US"/>
           </a:p>
@@ -536,7 +538,7 @@
           <a:p>
             <a:fld id="{C1691109-F4F8-4597-962C-A4F4B7960636}" type="datetimeFigureOut">
               <a:rPr lang="en-US" smtClean="0"/>
-              <a:t>8/19/2023</a:t>
+              <a:t>9/11/2023</a:t>
             </a:fld>
             <a:endParaRPr lang="en-US"/>
           </a:p>
@@ -744,7 +746,7 @@
           <a:p>
             <a:fld id="{C1691109-F4F8-4597-962C-A4F4B7960636}" type="datetimeFigureOut">
               <a:rPr lang="en-US" smtClean="0"/>
-              <a:t>8/19/2023</a:t>
+              <a:t>9/11/2023</a:t>
             </a:fld>
             <a:endParaRPr lang="en-US"/>
           </a:p>
@@ -942,7 +944,7 @@
           <a:p>
             <a:fld id="{C1691109-F4F8-4597-962C-A4F4B7960636}" type="datetimeFigureOut">
               <a:rPr lang="en-US" smtClean="0"/>
-              <a:t>8/19/2023</a:t>
+              <a:t>9/11/2023</a:t>
             </a:fld>
             <a:endParaRPr lang="en-US"/>
           </a:p>
@@ -1217,7 +1219,7 @@
           <a:p>
             <a:fld id="{C1691109-F4F8-4597-962C-A4F4B7960636}" type="datetimeFigureOut">
               <a:rPr lang="en-US" smtClean="0"/>
-              <a:t>8/19/2023</a:t>
+              <a:t>9/11/2023</a:t>
             </a:fld>
             <a:endParaRPr lang="en-US"/>
           </a:p>
@@ -1482,7 +1484,7 @@
           <a:p>
             <a:fld id="{C1691109-F4F8-4597-962C-A4F4B7960636}" type="datetimeFigureOut">
               <a:rPr lang="en-US" smtClean="0"/>
-              <a:t>8/19/2023</a:t>
+              <a:t>9/11/2023</a:t>
             </a:fld>
             <a:endParaRPr lang="en-US"/>
           </a:p>
@@ -1894,7 +1896,7 @@
           <a:p>
             <a:fld id="{C1691109-F4F8-4597-962C-A4F4B7960636}" type="datetimeFigureOut">
               <a:rPr lang="en-US" smtClean="0"/>
-              <a:t>8/19/2023</a:t>
+              <a:t>9/11/2023</a:t>
             </a:fld>
             <a:endParaRPr lang="en-US"/>
           </a:p>
@@ -2035,7 +2037,7 @@
           <a:p>
             <a:fld id="{C1691109-F4F8-4597-962C-A4F4B7960636}" type="datetimeFigureOut">
               <a:rPr lang="en-US" smtClean="0"/>
-              <a:t>8/19/2023</a:t>
+              <a:t>9/11/2023</a:t>
             </a:fld>
             <a:endParaRPr lang="en-US"/>
           </a:p>
@@ -2148,7 +2150,7 @@
           <a:p>
             <a:fld id="{C1691109-F4F8-4597-962C-A4F4B7960636}" type="datetimeFigureOut">
               <a:rPr lang="en-US" smtClean="0"/>
-              <a:t>8/19/2023</a:t>
+              <a:t>9/11/2023</a:t>
             </a:fld>
             <a:endParaRPr lang="en-US"/>
           </a:p>
@@ -2459,7 +2461,7 @@
           <a:p>
             <a:fld id="{C1691109-F4F8-4597-962C-A4F4B7960636}" type="datetimeFigureOut">
               <a:rPr lang="en-US" smtClean="0"/>
-              <a:t>8/19/2023</a:t>
+              <a:t>9/11/2023</a:t>
             </a:fld>
             <a:endParaRPr lang="en-US"/>
           </a:p>
@@ -2747,7 +2749,7 @@
           <a:p>
             <a:fld id="{C1691109-F4F8-4597-962C-A4F4B7960636}" type="datetimeFigureOut">
               <a:rPr lang="en-US" smtClean="0"/>
-              <a:t>8/19/2023</a:t>
+              <a:t>9/11/2023</a:t>
             </a:fld>
             <a:endParaRPr lang="en-US"/>
           </a:p>
@@ -2988,7 +2990,7 @@
           <a:p>
             <a:fld id="{C1691109-F4F8-4597-962C-A4F4B7960636}" type="datetimeFigureOut">
               <a:rPr lang="en-US" smtClean="0"/>
-              <a:t>8/19/2023</a:t>
+              <a:t>9/11/2023</a:t>
             </a:fld>
             <a:endParaRPr lang="en-US"/>
           </a:p>
@@ -6114,6 +6116,208 @@
 </p:sld>
 </file>
 
+<file path=ppt/slides/slide21.xml><?xml version="1.0" encoding="utf-8"?>
+<p:sld xmlns:a="http://schemas.openxmlformats.org/drawingml/2006/main" xmlns:r="http://schemas.openxmlformats.org/officeDocument/2006/relationships" xmlns:p="http://schemas.openxmlformats.org/presentationml/2006/main">
+  <p:cSld>
+    <p:spTree>
+      <p:nvGrpSpPr>
+        <p:cNvPr id="1" name=""/>
+        <p:cNvGrpSpPr/>
+        <p:nvPr/>
+      </p:nvGrpSpPr>
+      <p:grpSpPr>
+        <a:xfrm>
+          <a:off x="0" y="0"/>
+          <a:ext cx="0" cy="0"/>
+          <a:chOff x="0" y="0"/>
+          <a:chExt cx="0" cy="0"/>
+        </a:xfrm>
+      </p:grpSpPr>
+      <p:sp>
+        <p:nvSpPr>
+          <p:cNvPr id="2" name="Título 1">
+            <a:extLst>
+              <a:ext uri="{FF2B5EF4-FFF2-40B4-BE49-F238E27FC236}">
+                <a16:creationId xmlns:a16="http://schemas.microsoft.com/office/drawing/2014/main" id="{1DBF0505-BF22-537E-5F44-5524FEF1DB11}"/>
+              </a:ext>
+            </a:extLst>
+          </p:cNvPr>
+          <p:cNvSpPr>
+            <a:spLocks noGrp="1"/>
+          </p:cNvSpPr>
+          <p:nvPr>
+            <p:ph type="title"/>
+          </p:nvPr>
+        </p:nvSpPr>
+        <p:spPr>
+          <a:xfrm>
+            <a:off x="690419" y="88033"/>
+            <a:ext cx="10515600" cy="1325563"/>
+          </a:xfrm>
+        </p:spPr>
+        <p:txBody>
+          <a:bodyPr/>
+          <a:lstStyle/>
+          <a:p>
+            <a:r>
+              <a:rPr lang="pt-BR" dirty="0"/>
+              <a:t>Integração com api	</a:t>
+            </a:r>
+          </a:p>
+        </p:txBody>
+      </p:sp>
+      <p:pic>
+        <p:nvPicPr>
+          <p:cNvPr id="7" name="Espaço Reservado para Conteúdo 6">
+            <a:extLst>
+              <a:ext uri="{FF2B5EF4-FFF2-40B4-BE49-F238E27FC236}">
+                <a16:creationId xmlns:a16="http://schemas.microsoft.com/office/drawing/2014/main" id="{884B70AD-DC75-C161-A51B-E40E29F5CFC1}"/>
+              </a:ext>
+            </a:extLst>
+          </p:cNvPr>
+          <p:cNvPicPr>
+            <a:picLocks noGrp="1" noChangeAspect="1"/>
+          </p:cNvPicPr>
+          <p:nvPr>
+            <p:ph idx="1"/>
+          </p:nvPr>
+        </p:nvPicPr>
+        <p:blipFill>
+          <a:blip r:embed="rId2"/>
+          <a:stretch>
+            <a:fillRect/>
+          </a:stretch>
+        </p:blipFill>
+        <p:spPr>
+          <a:xfrm>
+            <a:off x="6320454" y="0"/>
+            <a:ext cx="5785054" cy="6858000"/>
+          </a:xfrm>
+        </p:spPr>
+      </p:pic>
+    </p:spTree>
+    <p:extLst>
+      <p:ext uri="{BB962C8B-B14F-4D97-AF65-F5344CB8AC3E}">
+        <p14:creationId xmlns:p14="http://schemas.microsoft.com/office/powerpoint/2010/main" val="3383788642"/>
+      </p:ext>
+    </p:extLst>
+  </p:cSld>
+  <p:clrMapOvr>
+    <a:masterClrMapping/>
+  </p:clrMapOvr>
+</p:sld>
+</file>
+
+<file path=ppt/slides/slide22.xml><?xml version="1.0" encoding="utf-8"?>
+<p:sld xmlns:a="http://schemas.openxmlformats.org/drawingml/2006/main" xmlns:r="http://schemas.openxmlformats.org/officeDocument/2006/relationships" xmlns:p="http://schemas.openxmlformats.org/presentationml/2006/main">
+  <p:cSld>
+    <p:spTree>
+      <p:nvGrpSpPr>
+        <p:cNvPr id="1" name=""/>
+        <p:cNvGrpSpPr/>
+        <p:nvPr/>
+      </p:nvGrpSpPr>
+      <p:grpSpPr>
+        <a:xfrm>
+          <a:off x="0" y="0"/>
+          <a:ext cx="0" cy="0"/>
+          <a:chOff x="0" y="0"/>
+          <a:chExt cx="0" cy="0"/>
+        </a:xfrm>
+      </p:grpSpPr>
+      <p:sp>
+        <p:nvSpPr>
+          <p:cNvPr id="2" name="Título 1">
+            <a:extLst>
+              <a:ext uri="{FF2B5EF4-FFF2-40B4-BE49-F238E27FC236}">
+                <a16:creationId xmlns:a16="http://schemas.microsoft.com/office/drawing/2014/main" id="{DC18B72A-1F94-EDDF-7CEF-FAD8A25CF3D3}"/>
+              </a:ext>
+            </a:extLst>
+          </p:cNvPr>
+          <p:cNvSpPr>
+            <a:spLocks noGrp="1"/>
+          </p:cNvSpPr>
+          <p:nvPr>
+            <p:ph type="title"/>
+          </p:nvPr>
+        </p:nvSpPr>
+        <p:spPr/>
+        <p:txBody>
+          <a:bodyPr/>
+          <a:lstStyle/>
+          <a:p>
+            <a:endParaRPr lang="pt-BR"/>
+          </a:p>
+        </p:txBody>
+      </p:sp>
+      <p:sp>
+        <p:nvSpPr>
+          <p:cNvPr id="3" name="Espaço Reservado para Conteúdo 2">
+            <a:extLst>
+              <a:ext uri="{FF2B5EF4-FFF2-40B4-BE49-F238E27FC236}">
+                <a16:creationId xmlns:a16="http://schemas.microsoft.com/office/drawing/2014/main" id="{1FB8172C-C1B8-8227-C3E0-E96066411543}"/>
+              </a:ext>
+            </a:extLst>
+          </p:cNvPr>
+          <p:cNvSpPr>
+            <a:spLocks noGrp="1"/>
+          </p:cNvSpPr>
+          <p:nvPr>
+            <p:ph idx="1"/>
+          </p:nvPr>
+        </p:nvSpPr>
+        <p:spPr/>
+        <p:txBody>
+          <a:bodyPr/>
+          <a:lstStyle/>
+          <a:p>
+            <a:endParaRPr lang="pt-BR" dirty="0"/>
+          </a:p>
+        </p:txBody>
+      </p:sp>
+      <p:pic>
+        <p:nvPicPr>
+          <p:cNvPr id="5" name="Imagem 4">
+            <a:extLst>
+              <a:ext uri="{FF2B5EF4-FFF2-40B4-BE49-F238E27FC236}">
+                <a16:creationId xmlns:a16="http://schemas.microsoft.com/office/drawing/2014/main" id="{810008D5-ADD0-AD13-E113-548B85392097}"/>
+              </a:ext>
+            </a:extLst>
+          </p:cNvPr>
+          <p:cNvPicPr>
+            <a:picLocks noChangeAspect="1"/>
+          </p:cNvPicPr>
+          <p:nvPr/>
+        </p:nvPicPr>
+        <p:blipFill>
+          <a:blip r:embed="rId2"/>
+          <a:stretch>
+            <a:fillRect/>
+          </a:stretch>
+        </p:blipFill>
+        <p:spPr>
+          <a:xfrm>
+            <a:off x="-88823" y="0"/>
+            <a:ext cx="5313066" cy="6858000"/>
+          </a:xfrm>
+          <a:prstGeom prst="rect">
+            <a:avLst/>
+          </a:prstGeom>
+        </p:spPr>
+      </p:pic>
+    </p:spTree>
+    <p:extLst>
+      <p:ext uri="{BB962C8B-B14F-4D97-AF65-F5344CB8AC3E}">
+        <p14:creationId xmlns:p14="http://schemas.microsoft.com/office/powerpoint/2010/main" val="843814293"/>
+      </p:ext>
+    </p:extLst>
+  </p:cSld>
+  <p:clrMapOvr>
+    <a:masterClrMapping/>
+  </p:clrMapOvr>
+</p:sld>
+</file>
+
 <file path=ppt/slides/slide3.xml><?xml version="1.0" encoding="utf-8"?>
 <p:sld xmlns:a="http://schemas.openxmlformats.org/drawingml/2006/main" xmlns:r="http://schemas.openxmlformats.org/officeDocument/2006/relationships" xmlns:p="http://schemas.openxmlformats.org/presentationml/2006/main">
   <p:cSld>

--- a/prova-SENAC/Prova SENAC.pptx
+++ b/prova-SENAC/Prova SENAC.pptx
@@ -25,6 +25,7 @@
     <p:sldId id="276" r:id="rId19"/>
     <p:sldId id="278" r:id="rId20"/>
     <p:sldId id="277" r:id="rId21"/>
+    <p:sldId id="279" r:id="rId22"/>
   </p:sldIdLst>
   <p:sldSz cx="12192000" cy="6858000"/>
   <p:notesSz cx="6858000" cy="9144000"/>
@@ -134,6 +135,38 @@
 <file path=ppt/changesInfos/changesInfo1.xml><?xml version="1.0" encoding="utf-8"?>
 <pc:chgInfo xmlns:a="http://schemas.openxmlformats.org/drawingml/2006/main" xmlns:r="http://schemas.openxmlformats.org/officeDocument/2006/relationships" xmlns:ac="http://schemas.microsoft.com/office/drawing/2013/main/command" xmlns:pc="http://schemas.microsoft.com/office/powerpoint/2013/main/command">
   <pc:docChgLst>
+    <pc:chgData name="RODOLFO BORTOLUZZI" userId="2f9df13b7ffa4ad2" providerId="LiveId" clId="{10E8A200-4981-4A02-AC17-6B8E02D1B5D6}"/>
+    <pc:docChg chg="undo redo custSel addSld modSld">
+      <pc:chgData name="RODOLFO BORTOLUZZI" userId="2f9df13b7ffa4ad2" providerId="LiveId" clId="{10E8A200-4981-4A02-AC17-6B8E02D1B5D6}" dt="2023-09-18T15:47:48.824" v="19" actId="27636"/>
+      <pc:docMkLst>
+        <pc:docMk/>
+      </pc:docMkLst>
+      <pc:sldChg chg="modSp new mod">
+        <pc:chgData name="RODOLFO BORTOLUZZI" userId="2f9df13b7ffa4ad2" providerId="LiveId" clId="{10E8A200-4981-4A02-AC17-6B8E02D1B5D6}" dt="2023-09-18T15:47:48.824" v="19" actId="27636"/>
+        <pc:sldMkLst>
+          <pc:docMk/>
+          <pc:sldMk cId="964782364" sldId="279"/>
+        </pc:sldMkLst>
+        <pc:spChg chg="mod">
+          <ac:chgData name="RODOLFO BORTOLUZZI" userId="2f9df13b7ffa4ad2" providerId="LiveId" clId="{10E8A200-4981-4A02-AC17-6B8E02D1B5D6}" dt="2023-09-18T15:47:33.514" v="11" actId="20577"/>
+          <ac:spMkLst>
+            <pc:docMk/>
+            <pc:sldMk cId="964782364" sldId="279"/>
+            <ac:spMk id="2" creationId="{D9AB42D8-6A1E-94AF-C742-17CC3C0F6219}"/>
+          </ac:spMkLst>
+        </pc:spChg>
+        <pc:spChg chg="mod">
+          <ac:chgData name="RODOLFO BORTOLUZZI" userId="2f9df13b7ffa4ad2" providerId="LiveId" clId="{10E8A200-4981-4A02-AC17-6B8E02D1B5D6}" dt="2023-09-18T15:47:48.824" v="19" actId="27636"/>
+          <ac:spMkLst>
+            <pc:docMk/>
+            <pc:sldMk cId="964782364" sldId="279"/>
+            <ac:spMk id="3" creationId="{B71E5B6D-0FD8-FCD4-E61D-4E263F244426}"/>
+          </ac:spMkLst>
+        </pc:spChg>
+      </pc:sldChg>
+    </pc:docChg>
+  </pc:docChgLst>
+  <pc:docChgLst>
     <pc:chgData name="RODOLFo BORTOLUZZI" userId="2f9df13b7ffa4ad2" providerId="LiveId" clId="{75BC9DE6-5F88-4036-8005-74699978EB56}"/>
     <pc:docChg chg="undo custSel addSld modSld">
       <pc:chgData name="RODOLFo BORTOLUZZI" userId="2f9df13b7ffa4ad2" providerId="LiveId" clId="{75BC9DE6-5F88-4036-8005-74699978EB56}" dt="2023-08-19T12:06:48.824" v="108" actId="20577"/>
@@ -338,7 +371,7 @@
           <a:p>
             <a:fld id="{C1691109-F4F8-4597-962C-A4F4B7960636}" type="datetimeFigureOut">
               <a:rPr lang="en-US" smtClean="0"/>
-              <a:t>8/19/2023</a:t>
+              <a:t>9/18/2023</a:t>
             </a:fld>
             <a:endParaRPr lang="en-US"/>
           </a:p>
@@ -536,7 +569,7 @@
           <a:p>
             <a:fld id="{C1691109-F4F8-4597-962C-A4F4B7960636}" type="datetimeFigureOut">
               <a:rPr lang="en-US" smtClean="0"/>
-              <a:t>8/19/2023</a:t>
+              <a:t>9/18/2023</a:t>
             </a:fld>
             <a:endParaRPr lang="en-US"/>
           </a:p>
@@ -744,7 +777,7 @@
           <a:p>
             <a:fld id="{C1691109-F4F8-4597-962C-A4F4B7960636}" type="datetimeFigureOut">
               <a:rPr lang="en-US" smtClean="0"/>
-              <a:t>8/19/2023</a:t>
+              <a:t>9/18/2023</a:t>
             </a:fld>
             <a:endParaRPr lang="en-US"/>
           </a:p>
@@ -942,7 +975,7 @@
           <a:p>
             <a:fld id="{C1691109-F4F8-4597-962C-A4F4B7960636}" type="datetimeFigureOut">
               <a:rPr lang="en-US" smtClean="0"/>
-              <a:t>8/19/2023</a:t>
+              <a:t>9/18/2023</a:t>
             </a:fld>
             <a:endParaRPr lang="en-US"/>
           </a:p>
@@ -1217,7 +1250,7 @@
           <a:p>
             <a:fld id="{C1691109-F4F8-4597-962C-A4F4B7960636}" type="datetimeFigureOut">
               <a:rPr lang="en-US" smtClean="0"/>
-              <a:t>8/19/2023</a:t>
+              <a:t>9/18/2023</a:t>
             </a:fld>
             <a:endParaRPr lang="en-US"/>
           </a:p>
@@ -1482,7 +1515,7 @@
           <a:p>
             <a:fld id="{C1691109-F4F8-4597-962C-A4F4B7960636}" type="datetimeFigureOut">
               <a:rPr lang="en-US" smtClean="0"/>
-              <a:t>8/19/2023</a:t>
+              <a:t>9/18/2023</a:t>
             </a:fld>
             <a:endParaRPr lang="en-US"/>
           </a:p>
@@ -1894,7 +1927,7 @@
           <a:p>
             <a:fld id="{C1691109-F4F8-4597-962C-A4F4B7960636}" type="datetimeFigureOut">
               <a:rPr lang="en-US" smtClean="0"/>
-              <a:t>8/19/2023</a:t>
+              <a:t>9/18/2023</a:t>
             </a:fld>
             <a:endParaRPr lang="en-US"/>
           </a:p>
@@ -2035,7 +2068,7 @@
           <a:p>
             <a:fld id="{C1691109-F4F8-4597-962C-A4F4B7960636}" type="datetimeFigureOut">
               <a:rPr lang="en-US" smtClean="0"/>
-              <a:t>8/19/2023</a:t>
+              <a:t>9/18/2023</a:t>
             </a:fld>
             <a:endParaRPr lang="en-US"/>
           </a:p>
@@ -2148,7 +2181,7 @@
           <a:p>
             <a:fld id="{C1691109-F4F8-4597-962C-A4F4B7960636}" type="datetimeFigureOut">
               <a:rPr lang="en-US" smtClean="0"/>
-              <a:t>8/19/2023</a:t>
+              <a:t>9/18/2023</a:t>
             </a:fld>
             <a:endParaRPr lang="en-US"/>
           </a:p>
@@ -2459,7 +2492,7 @@
           <a:p>
             <a:fld id="{C1691109-F4F8-4597-962C-A4F4B7960636}" type="datetimeFigureOut">
               <a:rPr lang="en-US" smtClean="0"/>
-              <a:t>8/19/2023</a:t>
+              <a:t>9/18/2023</a:t>
             </a:fld>
             <a:endParaRPr lang="en-US"/>
           </a:p>
@@ -2747,7 +2780,7 @@
           <a:p>
             <a:fld id="{C1691109-F4F8-4597-962C-A4F4B7960636}" type="datetimeFigureOut">
               <a:rPr lang="en-US" smtClean="0"/>
-              <a:t>8/19/2023</a:t>
+              <a:t>9/18/2023</a:t>
             </a:fld>
             <a:endParaRPr lang="en-US"/>
           </a:p>
@@ -2988,7 +3021,7 @@
           <a:p>
             <a:fld id="{C1691109-F4F8-4597-962C-A4F4B7960636}" type="datetimeFigureOut">
               <a:rPr lang="en-US" smtClean="0"/>
-              <a:t>8/19/2023</a:t>
+              <a:t>9/18/2023</a:t>
             </a:fld>
             <a:endParaRPr lang="en-US"/>
           </a:p>
@@ -6114,6 +6147,252 @@
 </p:sld>
 </file>
 
+<file path=ppt/slides/slide21.xml><?xml version="1.0" encoding="utf-8"?>
+<p:sld xmlns:a="http://schemas.openxmlformats.org/drawingml/2006/main" xmlns:r="http://schemas.openxmlformats.org/officeDocument/2006/relationships" xmlns:p="http://schemas.openxmlformats.org/presentationml/2006/main">
+  <p:cSld>
+    <p:spTree>
+      <p:nvGrpSpPr>
+        <p:cNvPr id="1" name=""/>
+        <p:cNvGrpSpPr/>
+        <p:nvPr/>
+      </p:nvGrpSpPr>
+      <p:grpSpPr>
+        <a:xfrm>
+          <a:off x="0" y="0"/>
+          <a:ext cx="0" cy="0"/>
+          <a:chOff x="0" y="0"/>
+          <a:chExt cx="0" cy="0"/>
+        </a:xfrm>
+      </p:grpSpPr>
+      <p:sp>
+        <p:nvSpPr>
+          <p:cNvPr id="2" name="Título 1">
+            <a:extLst>
+              <a:ext uri="{FF2B5EF4-FFF2-40B4-BE49-F238E27FC236}">
+                <a16:creationId xmlns:a16="http://schemas.microsoft.com/office/drawing/2014/main" id="{D9AB42D8-6A1E-94AF-C742-17CC3C0F6219}"/>
+              </a:ext>
+            </a:extLst>
+          </p:cNvPr>
+          <p:cNvSpPr>
+            <a:spLocks noGrp="1"/>
+          </p:cNvSpPr>
+          <p:nvPr>
+            <p:ph type="title"/>
+          </p:nvPr>
+        </p:nvSpPr>
+        <p:spPr/>
+        <p:txBody>
+          <a:bodyPr/>
+          <a:lstStyle/>
+          <a:p>
+            <a:r>
+              <a:rPr lang="pt-BR" dirty="0"/>
+              <a:t>Proxy</a:t>
+            </a:r>
+            <a:br>
+              <a:rPr lang="pt-BR" dirty="0"/>
+            </a:br>
+            <a:r>
+              <a:rPr lang="pt-BR" dirty="0"/>
+              <a:t>CORS	</a:t>
+            </a:r>
+          </a:p>
+        </p:txBody>
+      </p:sp>
+      <p:sp>
+        <p:nvSpPr>
+          <p:cNvPr id="3" name="Espaço Reservado para Conteúdo 2">
+            <a:extLst>
+              <a:ext uri="{FF2B5EF4-FFF2-40B4-BE49-F238E27FC236}">
+                <a16:creationId xmlns:a16="http://schemas.microsoft.com/office/drawing/2014/main" id="{B71E5B6D-0FD8-FCD4-E61D-4E263F244426}"/>
+              </a:ext>
+            </a:extLst>
+          </p:cNvPr>
+          <p:cNvSpPr>
+            <a:spLocks noGrp="1"/>
+          </p:cNvSpPr>
+          <p:nvPr>
+            <p:ph idx="1"/>
+          </p:nvPr>
+        </p:nvSpPr>
+        <p:spPr/>
+        <p:txBody>
+          <a:bodyPr>
+            <a:normAutofit fontScale="77500" lnSpcReduction="20000"/>
+          </a:bodyPr>
+          <a:lstStyle/>
+          <a:p>
+            <a:r>
+              <a:rPr lang="pt-BR" dirty="0" err="1"/>
+              <a:t>npm</a:t>
+            </a:r>
+            <a:r>
+              <a:rPr lang="pt-BR" dirty="0"/>
+              <a:t> </a:t>
+            </a:r>
+            <a:r>
+              <a:rPr lang="pt-BR" dirty="0" err="1"/>
+              <a:t>install</a:t>
+            </a:r>
+            <a:r>
+              <a:rPr lang="pt-BR" dirty="0"/>
+              <a:t> </a:t>
+            </a:r>
+            <a:r>
+              <a:rPr lang="pt-BR" dirty="0" err="1"/>
+              <a:t>vite</a:t>
+            </a:r>
+            <a:r>
+              <a:rPr lang="pt-BR" dirty="0"/>
+              <a:t>-plugin-proxy --</a:t>
+            </a:r>
+            <a:r>
+              <a:rPr lang="pt-BR" dirty="0" err="1"/>
+              <a:t>save-dev</a:t>
+            </a:r>
+            <a:endParaRPr lang="pt-BR" dirty="0"/>
+          </a:p>
+          <a:p>
+            <a:pPr marL="0" indent="0">
+              <a:buNone/>
+            </a:pPr>
+            <a:r>
+              <a:rPr lang="pt-BR" dirty="0"/>
+              <a:t>// proxy.config.js</a:t>
+            </a:r>
+          </a:p>
+          <a:p>
+            <a:pPr marL="0" indent="0">
+              <a:buNone/>
+            </a:pPr>
+            <a:r>
+              <a:rPr lang="pt-BR" dirty="0" err="1"/>
+              <a:t>module.exports</a:t>
+            </a:r>
+            <a:r>
+              <a:rPr lang="pt-BR" dirty="0"/>
+              <a:t> = {</a:t>
+            </a:r>
+          </a:p>
+          <a:p>
+            <a:pPr marL="0" indent="0">
+              <a:buNone/>
+            </a:pPr>
+            <a:r>
+              <a:rPr lang="pt-BR" dirty="0"/>
+              <a:t>  // Configurações de proxy</a:t>
+            </a:r>
+          </a:p>
+          <a:p>
+            <a:pPr marL="0" indent="0">
+              <a:buNone/>
+            </a:pPr>
+            <a:r>
+              <a:rPr lang="pt-BR" dirty="0"/>
+              <a:t>  '/api': {</a:t>
+            </a:r>
+          </a:p>
+          <a:p>
+            <a:pPr marL="0" indent="0">
+              <a:buNone/>
+            </a:pPr>
+            <a:r>
+              <a:rPr lang="pt-BR" dirty="0"/>
+              <a:t>    target: 'https://your-api-endpoint.com', // URL da API de destino</a:t>
+            </a:r>
+          </a:p>
+          <a:p>
+            <a:pPr marL="0" indent="0">
+              <a:buNone/>
+            </a:pPr>
+            <a:r>
+              <a:rPr lang="pt-BR" dirty="0"/>
+              <a:t>    </a:t>
+            </a:r>
+            <a:r>
+              <a:rPr lang="pt-BR" dirty="0" err="1"/>
+              <a:t>changeOrigin</a:t>
+            </a:r>
+            <a:r>
+              <a:rPr lang="pt-BR" dirty="0"/>
+              <a:t>: </a:t>
+            </a:r>
+            <a:r>
+              <a:rPr lang="pt-BR" dirty="0" err="1"/>
+              <a:t>true</a:t>
+            </a:r>
+            <a:r>
+              <a:rPr lang="pt-BR" dirty="0"/>
+              <a:t>, // Alterar a origem para evitar problemas de CORS</a:t>
+            </a:r>
+          </a:p>
+          <a:p>
+            <a:pPr marL="0" indent="0">
+              <a:buNone/>
+            </a:pPr>
+            <a:r>
+              <a:rPr lang="pt-BR" dirty="0"/>
+              <a:t>    secure: false, // Ignorar certificados SSL (use apenas para desenvolvimento)</a:t>
+            </a:r>
+          </a:p>
+          <a:p>
+            <a:pPr marL="0" indent="0">
+              <a:buNone/>
+            </a:pPr>
+            <a:r>
+              <a:rPr lang="pt-BR" dirty="0"/>
+              <a:t>    </a:t>
+            </a:r>
+            <a:r>
+              <a:rPr lang="pt-BR" dirty="0" err="1"/>
+              <a:t>rewrite</a:t>
+            </a:r>
+            <a:r>
+              <a:rPr lang="pt-BR" dirty="0"/>
+              <a:t>: (path) =&gt; </a:t>
+            </a:r>
+            <a:r>
+              <a:rPr lang="pt-BR" dirty="0" err="1"/>
+              <a:t>path.replace</a:t>
+            </a:r>
+            <a:r>
+              <a:rPr lang="pt-BR" dirty="0"/>
+              <a:t>(/^\/api/, ''), // Remova o prefixo '/api' da URL da solicitação</a:t>
+            </a:r>
+          </a:p>
+          <a:p>
+            <a:pPr marL="0" indent="0">
+              <a:buNone/>
+            </a:pPr>
+            <a:r>
+              <a:rPr lang="pt-BR" dirty="0"/>
+              <a:t>  },</a:t>
+            </a:r>
+          </a:p>
+          <a:p>
+            <a:pPr marL="0" indent="0">
+              <a:buNone/>
+            </a:pPr>
+            <a:r>
+              <a:rPr lang="pt-BR" dirty="0"/>
+              <a:t>};</a:t>
+            </a:r>
+          </a:p>
+        </p:txBody>
+      </p:sp>
+    </p:spTree>
+    <p:extLst>
+      <p:ext uri="{BB962C8B-B14F-4D97-AF65-F5344CB8AC3E}">
+        <p14:creationId xmlns:p14="http://schemas.microsoft.com/office/powerpoint/2010/main" val="964782364"/>
+      </p:ext>
+    </p:extLst>
+  </p:cSld>
+  <p:clrMapOvr>
+    <a:masterClrMapping/>
+  </p:clrMapOvr>
+</p:sld>
+</file>
+
 <file path=ppt/slides/slide3.xml><?xml version="1.0" encoding="utf-8"?>
 <p:sld xmlns:a="http://schemas.openxmlformats.org/drawingml/2006/main" xmlns:r="http://schemas.openxmlformats.org/officeDocument/2006/relationships" xmlns:p="http://schemas.openxmlformats.org/presentationml/2006/main">
   <p:cSld>
